--- a/talks/inception-workflow-deployed/InceptionWorkflow.pptx
+++ b/talks/inception-workflow-deployed/InceptionWorkflow.pptx
@@ -20,31 +20,30 @@
     <p:sldId id="265" r:id="rId14"/>
     <p:sldId id="266" r:id="rId15"/>
     <p:sldId id="267" r:id="rId16"/>
-    <p:sldId id="268" r:id="rId17"/>
   </p:sldIdLst>
   <p:sldSz cy="5143500" cx="9144000"/>
   <p:notesSz cx="6858000" cy="9144000"/>
   <p:embeddedFontLst>
     <p:embeddedFont>
       <p:font typeface="Roboto"/>
-      <p:regular r:id="rId18"/>
-      <p:bold r:id="rId19"/>
-      <p:italic r:id="rId20"/>
-      <p:boldItalic r:id="rId21"/>
+      <p:regular r:id="rId17"/>
+      <p:bold r:id="rId18"/>
+      <p:italic r:id="rId19"/>
+      <p:boldItalic r:id="rId20"/>
     </p:embeddedFont>
     <p:embeddedFont>
       <p:font typeface="Montserrat"/>
-      <p:regular r:id="rId22"/>
-      <p:bold r:id="rId23"/>
-      <p:italic r:id="rId24"/>
-      <p:boldItalic r:id="rId25"/>
+      <p:regular r:id="rId21"/>
+      <p:bold r:id="rId22"/>
+      <p:italic r:id="rId23"/>
+      <p:boldItalic r:id="rId24"/>
     </p:embeddedFont>
     <p:embeddedFont>
       <p:font typeface="Lato"/>
-      <p:regular r:id="rId26"/>
-      <p:bold r:id="rId27"/>
-      <p:italic r:id="rId28"/>
-      <p:boldItalic r:id="rId29"/>
+      <p:regular r:id="rId25"/>
+      <p:bold r:id="rId26"/>
+      <p:italic r:id="rId27"/>
+      <p:boldItalic r:id="rId28"/>
     </p:embeddedFont>
   </p:embeddedFontLst>
   <p:defaultTextStyle>
@@ -519,7 +518,7 @@
   <p:cSld>
     <p:spTree>
       <p:nvGrpSpPr>
-        <p:cNvPr id="183" name="Shape 183"/>
+        <p:cNvPr id="185" name="Shape 185"/>
         <p:cNvGrpSpPr/>
         <p:nvPr/>
       </p:nvGrpSpPr>
@@ -533,7 +532,7 @@
       </p:grpSpPr>
       <p:sp>
         <p:nvSpPr>
-          <p:cNvPr id="184" name="Shape 184"/>
+          <p:cNvPr id="186" name="Shape 186"/>
           <p:cNvSpPr/>
           <p:nvPr>
             <p:ph idx="2" type="sldImg"/>
@@ -567,7 +566,7 @@
       </p:sp>
       <p:sp>
         <p:nvSpPr>
-          <p:cNvPr id="185" name="Shape 185"/>
+          <p:cNvPr id="187" name="Shape 187"/>
           <p:cNvSpPr txBox="1"/>
           <p:nvPr>
             <p:ph idx="1" type="body"/>
@@ -614,7 +613,7 @@
   <p:cSld>
     <p:spTree>
       <p:nvGrpSpPr>
-        <p:cNvPr id="190" name="Shape 190"/>
+        <p:cNvPr id="192" name="Shape 192"/>
         <p:cNvGrpSpPr/>
         <p:nvPr/>
       </p:nvGrpSpPr>
@@ -628,7 +627,7 @@
       </p:grpSpPr>
       <p:sp>
         <p:nvSpPr>
-          <p:cNvPr id="191" name="Shape 191"/>
+          <p:cNvPr id="193" name="Shape 193"/>
           <p:cNvSpPr/>
           <p:nvPr>
             <p:ph idx="2" type="sldImg"/>
@@ -662,7 +661,7 @@
       </p:sp>
       <p:sp>
         <p:nvSpPr>
-          <p:cNvPr id="192" name="Shape 192"/>
+          <p:cNvPr id="194" name="Shape 194"/>
           <p:cNvSpPr txBox="1"/>
           <p:nvPr>
             <p:ph idx="1" type="body"/>
@@ -758,101 +757,6 @@
       <p:sp>
         <p:nvSpPr>
           <p:cNvPr id="199" name="Shape 199"/>
-          <p:cNvSpPr txBox="1"/>
-          <p:nvPr>
-            <p:ph idx="1" type="body"/>
-          </p:nvPr>
-        </p:nvSpPr>
-        <p:spPr>
-          <a:xfrm>
-            <a:off x="685800" y="4343400"/>
-            <a:ext cx="5486400" cy="4114800"/>
-          </a:xfrm>
-          <a:prstGeom prst="rect">
-            <a:avLst/>
-          </a:prstGeom>
-        </p:spPr>
-        <p:txBody>
-          <a:bodyPr anchorCtr="0" anchor="t" bIns="91425" lIns="91425" rIns="91425" tIns="91425">
-            <a:noAutofit/>
-          </a:bodyPr>
-          <a:lstStyle/>
-          <a:p>
-            <a:pPr lvl="0">
-              <a:spcBef>
-                <a:spcPts val="0"/>
-              </a:spcBef>
-              <a:buNone/>
-            </a:pPr>
-            <a:r>
-              <a:t/>
-            </a:r>
-            <a:endParaRPr/>
-          </a:p>
-        </p:txBody>
-      </p:sp>
-    </p:spTree>
-  </p:cSld>
-  <p:clrMapOvr>
-    <a:masterClrMapping/>
-  </p:clrMapOvr>
-</p:notes>
-</file>
-
-<file path=ppt/notesSlides/notesSlide13.xml><?xml version="1.0" encoding="utf-8"?>
-<p:notes xmlns:a="http://schemas.openxmlformats.org/drawingml/2006/main" xmlns:r="http://schemas.openxmlformats.org/officeDocument/2006/relationships" xmlns:mc="http://schemas.openxmlformats.org/markup-compatibility/2006" xmlns:mv="urn:schemas-microsoft-com:mac:vml" xmlns:p="http://schemas.openxmlformats.org/presentationml/2006/main" xmlns:c="http://schemas.openxmlformats.org/drawingml/2006/chart" xmlns:dgm="http://schemas.openxmlformats.org/drawingml/2006/diagram" xmlns:o="urn:schemas-microsoft-com:office:office" xmlns:v="urn:schemas-microsoft-com:vml" xmlns:pvml="urn:schemas-microsoft-com:office:powerpoint" xmlns:com="http://schemas.openxmlformats.org/drawingml/2006/compatibility" xmlns:p14="http://schemas.microsoft.com/office/powerpoint/2010/main" xmlns:p15="http://schemas.microsoft.com/office/powerpoint/2012/main" showMasterPhAnim="0" showMasterSp="0">
-  <p:cSld>
-    <p:spTree>
-      <p:nvGrpSpPr>
-        <p:cNvPr id="202" name="Shape 202"/>
-        <p:cNvGrpSpPr/>
-        <p:nvPr/>
-      </p:nvGrpSpPr>
-      <p:grpSpPr>
-        <a:xfrm>
-          <a:off x="0" y="0"/>
-          <a:ext cx="0" cy="0"/>
-          <a:chOff x="0" y="0"/>
-          <a:chExt cx="0" cy="0"/>
-        </a:xfrm>
-      </p:grpSpPr>
-      <p:sp>
-        <p:nvSpPr>
-          <p:cNvPr id="203" name="Shape 203"/>
-          <p:cNvSpPr/>
-          <p:nvPr>
-            <p:ph idx="2" type="sldImg"/>
-          </p:nvPr>
-        </p:nvSpPr>
-        <p:spPr>
-          <a:xfrm>
-            <a:off x="381300" y="685800"/>
-            <a:ext cx="6096000" cy="3429000"/>
-          </a:xfrm>
-          <a:custGeom>
-            <a:pathLst>
-              <a:path extrusionOk="0" h="120000" w="120000">
-                <a:moveTo>
-                  <a:pt x="0" y="0"/>
-                </a:moveTo>
-                <a:lnTo>
-                  <a:pt x="120000" y="0"/>
-                </a:lnTo>
-                <a:lnTo>
-                  <a:pt x="120000" y="120000"/>
-                </a:lnTo>
-                <a:lnTo>
-                  <a:pt x="0" y="120000"/>
-                </a:lnTo>
-                <a:close/>
-              </a:path>
-            </a:pathLst>
-          </a:custGeom>
-        </p:spPr>
-      </p:sp>
-      <p:sp>
-        <p:nvSpPr>
-          <p:cNvPr id="204" name="Shape 204"/>
           <p:cNvSpPr txBox="1"/>
           <p:nvPr>
             <p:ph idx="1" type="body"/>
@@ -994,7 +898,7 @@
   <p:cSld>
     <p:spTree>
       <p:nvGrpSpPr>
-        <p:cNvPr id="141" name="Shape 141"/>
+        <p:cNvPr id="142" name="Shape 142"/>
         <p:cNvGrpSpPr/>
         <p:nvPr/>
       </p:nvGrpSpPr>
@@ -1008,7 +912,7 @@
       </p:grpSpPr>
       <p:sp>
         <p:nvSpPr>
-          <p:cNvPr id="142" name="Shape 142"/>
+          <p:cNvPr id="143" name="Shape 143"/>
           <p:cNvSpPr/>
           <p:nvPr>
             <p:ph idx="2" type="sldImg"/>
@@ -1042,7 +946,7 @@
       </p:sp>
       <p:sp>
         <p:nvSpPr>
-          <p:cNvPr id="143" name="Shape 143"/>
+          <p:cNvPr id="144" name="Shape 144"/>
           <p:cNvSpPr txBox="1"/>
           <p:nvPr>
             <p:ph idx="1" type="body"/>
@@ -1089,7 +993,7 @@
   <p:cSld>
     <p:spTree>
       <p:nvGrpSpPr>
-        <p:cNvPr id="147" name="Shape 147"/>
+        <p:cNvPr id="148" name="Shape 148"/>
         <p:cNvGrpSpPr/>
         <p:nvPr/>
       </p:nvGrpSpPr>
@@ -1103,7 +1007,7 @@
       </p:grpSpPr>
       <p:sp>
         <p:nvSpPr>
-          <p:cNvPr id="148" name="Shape 148"/>
+          <p:cNvPr id="149" name="Shape 149"/>
           <p:cNvSpPr/>
           <p:nvPr>
             <p:ph idx="2" type="sldImg"/>
@@ -1137,7 +1041,7 @@
       </p:sp>
       <p:sp>
         <p:nvSpPr>
-          <p:cNvPr id="149" name="Shape 149"/>
+          <p:cNvPr id="150" name="Shape 150"/>
           <p:cNvSpPr txBox="1"/>
           <p:nvPr>
             <p:ph idx="1" type="body"/>
@@ -1184,7 +1088,7 @@
   <p:cSld>
     <p:spTree>
       <p:nvGrpSpPr>
-        <p:cNvPr id="153" name="Shape 153"/>
+        <p:cNvPr id="154" name="Shape 154"/>
         <p:cNvGrpSpPr/>
         <p:nvPr/>
       </p:nvGrpSpPr>
@@ -1198,7 +1102,7 @@
       </p:grpSpPr>
       <p:sp>
         <p:nvSpPr>
-          <p:cNvPr id="154" name="Shape 154"/>
+          <p:cNvPr id="155" name="Shape 155"/>
           <p:cNvSpPr/>
           <p:nvPr>
             <p:ph idx="2" type="sldImg"/>
@@ -1232,7 +1136,7 @@
       </p:sp>
       <p:sp>
         <p:nvSpPr>
-          <p:cNvPr id="155" name="Shape 155"/>
+          <p:cNvPr id="156" name="Shape 156"/>
           <p:cNvSpPr txBox="1"/>
           <p:nvPr>
             <p:ph idx="1" type="body"/>
@@ -1279,7 +1183,7 @@
   <p:cSld>
     <p:spTree>
       <p:nvGrpSpPr>
-        <p:cNvPr id="159" name="Shape 159"/>
+        <p:cNvPr id="160" name="Shape 160"/>
         <p:cNvGrpSpPr/>
         <p:nvPr/>
       </p:nvGrpSpPr>
@@ -1293,7 +1197,7 @@
       </p:grpSpPr>
       <p:sp>
         <p:nvSpPr>
-          <p:cNvPr id="160" name="Shape 160"/>
+          <p:cNvPr id="161" name="Shape 161"/>
           <p:cNvSpPr/>
           <p:nvPr>
             <p:ph idx="2" type="sldImg"/>
@@ -1327,7 +1231,7 @@
       </p:sp>
       <p:sp>
         <p:nvSpPr>
-          <p:cNvPr id="161" name="Shape 161"/>
+          <p:cNvPr id="162" name="Shape 162"/>
           <p:cNvSpPr txBox="1"/>
           <p:nvPr>
             <p:ph idx="1" type="body"/>
@@ -1348,7 +1252,7 @@
           </a:bodyPr>
           <a:lstStyle/>
           <a:p>
-            <a:pPr lvl="0">
+            <a:pPr lvl="0" rtl="0">
               <a:spcBef>
                 <a:spcPts val="0"/>
               </a:spcBef>
@@ -1374,7 +1278,7 @@
   <p:cSld>
     <p:spTree>
       <p:nvGrpSpPr>
-        <p:cNvPr id="165" name="Shape 165"/>
+        <p:cNvPr id="166" name="Shape 166"/>
         <p:cNvGrpSpPr/>
         <p:nvPr/>
       </p:nvGrpSpPr>
@@ -1388,7 +1292,7 @@
       </p:grpSpPr>
       <p:sp>
         <p:nvSpPr>
-          <p:cNvPr id="166" name="Shape 166"/>
+          <p:cNvPr id="167" name="Shape 167"/>
           <p:cNvSpPr/>
           <p:nvPr>
             <p:ph idx="2" type="sldImg"/>
@@ -1422,7 +1326,7 @@
       </p:sp>
       <p:sp>
         <p:nvSpPr>
-          <p:cNvPr id="167" name="Shape 167"/>
+          <p:cNvPr id="168" name="Shape 168"/>
           <p:cNvSpPr txBox="1"/>
           <p:nvPr>
             <p:ph idx="1" type="body"/>
@@ -1442,6 +1346,50 @@
             <a:noAutofit/>
           </a:bodyPr>
           <a:lstStyle/>
+          <a:p>
+            <a:pPr lvl="0">
+              <a:spcBef>
+                <a:spcPts val="0"/>
+              </a:spcBef>
+              <a:buNone/>
+            </a:pPr>
+            <a:r>
+              <a:rPr lang="en"/>
+              <a:t>Continuous development, integration, &amp; deployment per image immutability for reliable container image build &amp; deployment w/ rollbacks.</a:t>
+            </a:r>
+          </a:p>
+          <a:p>
+            <a:pPr lvl="0">
+              <a:spcBef>
+                <a:spcPts val="0"/>
+              </a:spcBef>
+              <a:buNone/>
+            </a:pPr>
+            <a:r>
+              <a:rPr lang="en"/>
+              <a:t>Dev &amp; Ops </a:t>
+            </a:r>
+            <a:r>
+              <a:rPr lang="en"/>
+              <a:t>Separation</a:t>
+            </a:r>
+            <a:r>
+              <a:rPr lang="en"/>
+              <a:t> of Concern: app container images can be built at build/release time rather than deployment time, decoupling apps from infrastructure.</a:t>
+            </a:r>
+          </a:p>
+          <a:p>
+            <a:pPr lvl="0">
+              <a:spcBef>
+                <a:spcPts val="0"/>
+              </a:spcBef>
+              <a:buNone/>
+            </a:pPr>
+            <a:r>
+              <a:rPr lang="en"/>
+              <a:t>Environmental consistency across development, testing, and production: Runs the same on a laptop as it does in the cloud.</a:t>
+            </a:r>
+          </a:p>
           <a:p>
             <a:pPr lvl="0" rtl="0">
               <a:spcBef>
@@ -1469,7 +1417,7 @@
   <p:cSld>
     <p:spTree>
       <p:nvGrpSpPr>
-        <p:cNvPr id="171" name="Shape 171"/>
+        <p:cNvPr id="172" name="Shape 172"/>
         <p:cNvGrpSpPr/>
         <p:nvPr/>
       </p:nvGrpSpPr>
@@ -1483,7 +1431,7 @@
       </p:grpSpPr>
       <p:sp>
         <p:nvSpPr>
-          <p:cNvPr id="172" name="Shape 172"/>
+          <p:cNvPr id="173" name="Shape 173"/>
           <p:cNvSpPr/>
           <p:nvPr>
             <p:ph idx="2" type="sldImg"/>
@@ -1517,7 +1465,7 @@
       </p:sp>
       <p:sp>
         <p:nvSpPr>
-          <p:cNvPr id="173" name="Shape 173"/>
+          <p:cNvPr id="174" name="Shape 174"/>
           <p:cNvSpPr txBox="1"/>
           <p:nvPr>
             <p:ph idx="1" type="body"/>
@@ -1537,50 +1485,6 @@
             <a:noAutofit/>
           </a:bodyPr>
           <a:lstStyle/>
-          <a:p>
-            <a:pPr lvl="0">
-              <a:spcBef>
-                <a:spcPts val="0"/>
-              </a:spcBef>
-              <a:buNone/>
-            </a:pPr>
-            <a:r>
-              <a:rPr lang="en"/>
-              <a:t>Continuous development, integration, &amp; deployment per image immutability for reliable container image build &amp; deployment w/ rollbacks.</a:t>
-            </a:r>
-          </a:p>
-          <a:p>
-            <a:pPr lvl="0">
-              <a:spcBef>
-                <a:spcPts val="0"/>
-              </a:spcBef>
-              <a:buNone/>
-            </a:pPr>
-            <a:r>
-              <a:rPr lang="en"/>
-              <a:t>Dev &amp; Ops </a:t>
-            </a:r>
-            <a:r>
-              <a:rPr lang="en"/>
-              <a:t>Separation</a:t>
-            </a:r>
-            <a:r>
-              <a:rPr lang="en"/>
-              <a:t> of Concern: app container images can be built at build/release time rather than deployment time, decoupling apps from infrastructure.</a:t>
-            </a:r>
-          </a:p>
-          <a:p>
-            <a:pPr lvl="0">
-              <a:spcBef>
-                <a:spcPts val="0"/>
-              </a:spcBef>
-              <a:buNone/>
-            </a:pPr>
-            <a:r>
-              <a:rPr lang="en"/>
-              <a:t>Environmental consistency across development, testing, and production: Runs the same on a laptop as it does in the cloud.</a:t>
-            </a:r>
-          </a:p>
           <a:p>
             <a:pPr lvl="0" rtl="0">
               <a:spcBef>
@@ -1608,7 +1512,7 @@
   <p:cSld>
     <p:spTree>
       <p:nvGrpSpPr>
-        <p:cNvPr id="177" name="Shape 177"/>
+        <p:cNvPr id="178" name="Shape 178"/>
         <p:cNvGrpSpPr/>
         <p:nvPr/>
       </p:nvGrpSpPr>
@@ -1622,7 +1526,7 @@
       </p:grpSpPr>
       <p:sp>
         <p:nvSpPr>
-          <p:cNvPr id="178" name="Shape 178"/>
+          <p:cNvPr id="179" name="Shape 179"/>
           <p:cNvSpPr/>
           <p:nvPr>
             <p:ph idx="2" type="sldImg"/>
@@ -1656,7 +1560,7 @@
       </p:sp>
       <p:sp>
         <p:nvSpPr>
-          <p:cNvPr id="179" name="Shape 179"/>
+          <p:cNvPr id="180" name="Shape 180"/>
           <p:cNvSpPr txBox="1"/>
           <p:nvPr>
             <p:ph idx="1" type="body"/>
@@ -1677,7 +1581,7 @@
           </a:bodyPr>
           <a:lstStyle/>
           <a:p>
-            <a:pPr lvl="0" rtl="0">
+            <a:pPr lvl="0">
               <a:spcBef>
                 <a:spcPts val="0"/>
               </a:spcBef>
@@ -8204,8 +8108,8 @@
         </p:nvSpPr>
         <p:spPr>
           <a:xfrm>
-            <a:off x="3537150" y="1578400"/>
-            <a:ext cx="5017500" cy="1578900"/>
+            <a:off x="3297700" y="1578400"/>
+            <a:ext cx="5699700" cy="1578900"/>
           </a:xfrm>
           <a:prstGeom prst="rect">
             <a:avLst/>
@@ -8225,7 +8129,7 @@
             </a:pPr>
             <a:r>
               <a:rPr lang="en"/>
-              <a:t>Inception to Workflow</a:t>
+              <a:t>Inception, Workflow, to $Deployed$</a:t>
             </a:r>
           </a:p>
         </p:txBody>
@@ -8279,140 +8183,7 @@
   <p:cSld>
     <p:spTree>
       <p:nvGrpSpPr>
-        <p:cNvPr id="186" name="Shape 186"/>
-        <p:cNvGrpSpPr/>
-        <p:nvPr/>
-      </p:nvGrpSpPr>
-      <p:grpSpPr>
-        <a:xfrm>
-          <a:off x="0" y="0"/>
-          <a:ext cx="0" cy="0"/>
-          <a:chOff x="0" y="0"/>
-          <a:chExt cx="0" cy="0"/>
-        </a:xfrm>
-      </p:grpSpPr>
-      <p:sp>
-        <p:nvSpPr>
-          <p:cNvPr id="187" name="Shape 187"/>
-          <p:cNvSpPr txBox="1"/>
-          <p:nvPr>
-            <p:ph type="title"/>
-          </p:nvPr>
-        </p:nvSpPr>
-        <p:spPr>
-          <a:xfrm>
-            <a:off x="1297500" y="393750"/>
-            <a:ext cx="7038900" cy="914100"/>
-          </a:xfrm>
-          <a:prstGeom prst="rect">
-            <a:avLst/>
-          </a:prstGeom>
-        </p:spPr>
-        <p:txBody>
-          <a:bodyPr anchorCtr="0" anchor="t" bIns="91425" lIns="91425" rIns="91425" tIns="91425">
-            <a:noAutofit/>
-          </a:bodyPr>
-          <a:lstStyle/>
-          <a:p>
-            <a:pPr lvl="0">
-              <a:spcBef>
-                <a:spcPts val="0"/>
-              </a:spcBef>
-              <a:buNone/>
-            </a:pPr>
-            <a:r>
-              <a:rPr lang="en"/>
-              <a:t>Azure</a:t>
-            </a:r>
-          </a:p>
-        </p:txBody>
-      </p:sp>
-      <p:sp>
-        <p:nvSpPr>
-          <p:cNvPr id="188" name="Shape 188"/>
-          <p:cNvSpPr txBox="1"/>
-          <p:nvPr>
-            <p:ph idx="1" type="body"/>
-          </p:nvPr>
-        </p:nvSpPr>
-        <p:spPr>
-          <a:xfrm>
-            <a:off x="1297500" y="1567550"/>
-            <a:ext cx="3403200" cy="2911200"/>
-          </a:xfrm>
-          <a:prstGeom prst="rect">
-            <a:avLst/>
-          </a:prstGeom>
-        </p:spPr>
-        <p:txBody>
-          <a:bodyPr anchorCtr="0" anchor="t" bIns="91425" lIns="91425" rIns="91425" tIns="91425">
-            <a:noAutofit/>
-          </a:bodyPr>
-          <a:lstStyle/>
-          <a:p>
-            <a:pPr lvl="0">
-              <a:spcBef>
-                <a:spcPts val="0"/>
-              </a:spcBef>
-              <a:buNone/>
-            </a:pPr>
-            <a:r>
-              <a:rPr lang="en"/>
-              <a:t>What we’ll see...</a:t>
-            </a:r>
-          </a:p>
-        </p:txBody>
-      </p:sp>
-      <p:sp>
-        <p:nvSpPr>
-          <p:cNvPr id="189" name="Shape 189"/>
-          <p:cNvSpPr txBox="1"/>
-          <p:nvPr>
-            <p:ph idx="2" type="body"/>
-          </p:nvPr>
-        </p:nvSpPr>
-        <p:spPr>
-          <a:xfrm>
-            <a:off x="4933221" y="1567550"/>
-            <a:ext cx="3403200" cy="2911200"/>
-          </a:xfrm>
-          <a:prstGeom prst="rect">
-            <a:avLst/>
-          </a:prstGeom>
-        </p:spPr>
-        <p:txBody>
-          <a:bodyPr anchorCtr="0" anchor="t" bIns="91425" lIns="91425" rIns="91425" tIns="91425">
-            <a:noAutofit/>
-          </a:bodyPr>
-          <a:lstStyle/>
-          <a:p>
-            <a:pPr lvl="0">
-              <a:spcBef>
-                <a:spcPts val="0"/>
-              </a:spcBef>
-              <a:buNone/>
-            </a:pPr>
-            <a:r>
-              <a:rPr lang="en"/>
-              <a:t>Virtual Machines</a:t>
-            </a:r>
-          </a:p>
-        </p:txBody>
-      </p:sp>
-    </p:spTree>
-  </p:cSld>
-  <p:clrMapOvr>
-    <a:masterClrMapping/>
-  </p:clrMapOvr>
-</p:sld>
-</file>
-
-<file path=ppt/slides/slide11.xml><?xml version="1.0" encoding="utf-8"?>
-<p:sld xmlns:a="http://schemas.openxmlformats.org/drawingml/2006/main" xmlns:r="http://schemas.openxmlformats.org/officeDocument/2006/relationships" xmlns:mc="http://schemas.openxmlformats.org/markup-compatibility/2006" xmlns:mv="urn:schemas-microsoft-com:mac:vml" xmlns:p="http://schemas.openxmlformats.org/presentationml/2006/main" xmlns:c="http://schemas.openxmlformats.org/drawingml/2006/chart" xmlns:dgm="http://schemas.openxmlformats.org/drawingml/2006/diagram" xmlns:o="urn:schemas-microsoft-com:office:office" xmlns:v="urn:schemas-microsoft-com:vml" xmlns:pvml="urn:schemas-microsoft-com:office:powerpoint" xmlns:com="http://schemas.openxmlformats.org/drawingml/2006/compatibility" xmlns:p14="http://schemas.microsoft.com/office/powerpoint/2010/main" xmlns:p15="http://schemas.microsoft.com/office/powerpoint/2012/main">
-  <p:cSld>
-    <p:spTree>
-      <p:nvGrpSpPr>
-        <p:cNvPr id="193" name="Shape 193"/>
+        <p:cNvPr id="188" name="Shape 188"/>
         <p:cNvGrpSpPr/>
         <p:nvPr/>
       </p:nvGrpSpPr>
@@ -8426,7 +8197,7 @@
       </p:grpSpPr>
       <p:pic>
         <p:nvPicPr>
-          <p:cNvPr id="194" name="Shape 194"/>
+          <p:cNvPr id="189" name="Shape 189"/>
           <p:cNvPicPr preferRelativeResize="0"/>
           <p:nvPr/>
         </p:nvPicPr>
@@ -8454,7 +8225,7 @@
       </p:pic>
       <p:pic>
         <p:nvPicPr>
-          <p:cNvPr id="195" name="Shape 195"/>
+          <p:cNvPr id="190" name="Shape 190"/>
           <p:cNvPicPr preferRelativeResize="0"/>
           <p:nvPr/>
         </p:nvPicPr>
@@ -8482,7 +8253,7 @@
       </p:pic>
       <p:sp>
         <p:nvSpPr>
-          <p:cNvPr id="196" name="Shape 196"/>
+          <p:cNvPr id="191" name="Shape 191"/>
           <p:cNvSpPr txBox="1"/>
           <p:nvPr/>
         </p:nvSpPr>
@@ -8518,6 +8289,67 @@
                 </a:solidFill>
               </a:rPr>
               <a:t>Workflow</a:t>
+            </a:r>
+          </a:p>
+        </p:txBody>
+      </p:sp>
+    </p:spTree>
+  </p:cSld>
+  <p:clrMapOvr>
+    <a:masterClrMapping/>
+  </p:clrMapOvr>
+</p:sld>
+</file>
+
+<file path=ppt/slides/slide11.xml><?xml version="1.0" encoding="utf-8"?>
+<p:sld xmlns:a="http://schemas.openxmlformats.org/drawingml/2006/main" xmlns:r="http://schemas.openxmlformats.org/officeDocument/2006/relationships" xmlns:mc="http://schemas.openxmlformats.org/markup-compatibility/2006" xmlns:mv="urn:schemas-microsoft-com:mac:vml" xmlns:p="http://schemas.openxmlformats.org/presentationml/2006/main" xmlns:c="http://schemas.openxmlformats.org/drawingml/2006/chart" xmlns:dgm="http://schemas.openxmlformats.org/drawingml/2006/diagram" xmlns:o="urn:schemas-microsoft-com:office:office" xmlns:v="urn:schemas-microsoft-com:vml" xmlns:pvml="urn:schemas-microsoft-com:office:powerpoint" xmlns:com="http://schemas.openxmlformats.org/drawingml/2006/compatibility" xmlns:p14="http://schemas.microsoft.com/office/powerpoint/2010/main" xmlns:p15="http://schemas.microsoft.com/office/powerpoint/2012/main">
+  <p:cSld>
+    <p:spTree>
+      <p:nvGrpSpPr>
+        <p:cNvPr id="195" name="Shape 195"/>
+        <p:cNvGrpSpPr/>
+        <p:nvPr/>
+      </p:nvGrpSpPr>
+      <p:grpSpPr>
+        <a:xfrm>
+          <a:off x="0" y="0"/>
+          <a:ext cx="0" cy="0"/>
+          <a:chOff x="0" y="0"/>
+          <a:chExt cx="0" cy="0"/>
+        </a:xfrm>
+      </p:grpSpPr>
+      <p:sp>
+        <p:nvSpPr>
+          <p:cNvPr id="196" name="Shape 196"/>
+          <p:cNvSpPr txBox="1"/>
+          <p:nvPr>
+            <p:ph type="title"/>
+          </p:nvPr>
+        </p:nvSpPr>
+        <p:spPr>
+          <a:xfrm>
+            <a:off x="823850" y="2053000"/>
+            <a:ext cx="4587000" cy="1148700"/>
+          </a:xfrm>
+          <a:prstGeom prst="rect">
+            <a:avLst/>
+          </a:prstGeom>
+        </p:spPr>
+        <p:txBody>
+          <a:bodyPr anchorCtr="0" anchor="ctr" bIns="91425" lIns="91425" rIns="91425" tIns="91425">
+            <a:noAutofit/>
+          </a:bodyPr>
+          <a:lstStyle/>
+          <a:p>
+            <a:pPr lvl="0">
+              <a:spcBef>
+                <a:spcPts val="0"/>
+              </a:spcBef>
+              <a:buNone/>
+            </a:pPr>
+            <a:r>
+              <a:rPr lang="en"/>
+              <a:t>Phase 1</a:t>
             </a:r>
           </a:p>
         </p:txBody>
@@ -8570,67 +8402,6 @@
           </a:bodyPr>
           <a:lstStyle/>
           <a:p>
-            <a:pPr lvl="0">
-              <a:spcBef>
-                <a:spcPts val="0"/>
-              </a:spcBef>
-              <a:buNone/>
-            </a:pPr>
-            <a:r>
-              <a:rPr lang="en"/>
-              <a:t>Phase 1</a:t>
-            </a:r>
-          </a:p>
-        </p:txBody>
-      </p:sp>
-    </p:spTree>
-  </p:cSld>
-  <p:clrMapOvr>
-    <a:masterClrMapping/>
-  </p:clrMapOvr>
-</p:sld>
-</file>
-
-<file path=ppt/slides/slide13.xml><?xml version="1.0" encoding="utf-8"?>
-<p:sld xmlns:a="http://schemas.openxmlformats.org/drawingml/2006/main" xmlns:r="http://schemas.openxmlformats.org/officeDocument/2006/relationships" xmlns:mc="http://schemas.openxmlformats.org/markup-compatibility/2006" xmlns:mv="urn:schemas-microsoft-com:mac:vml" xmlns:p="http://schemas.openxmlformats.org/presentationml/2006/main" xmlns:c="http://schemas.openxmlformats.org/drawingml/2006/chart" xmlns:dgm="http://schemas.openxmlformats.org/drawingml/2006/diagram" xmlns:o="urn:schemas-microsoft-com:office:office" xmlns:v="urn:schemas-microsoft-com:vml" xmlns:pvml="urn:schemas-microsoft-com:office:powerpoint" xmlns:com="http://schemas.openxmlformats.org/drawingml/2006/compatibility" xmlns:p14="http://schemas.microsoft.com/office/powerpoint/2010/main" xmlns:p15="http://schemas.microsoft.com/office/powerpoint/2012/main">
-  <p:cSld>
-    <p:spTree>
-      <p:nvGrpSpPr>
-        <p:cNvPr id="205" name="Shape 205"/>
-        <p:cNvGrpSpPr/>
-        <p:nvPr/>
-      </p:nvGrpSpPr>
-      <p:grpSpPr>
-        <a:xfrm>
-          <a:off x="0" y="0"/>
-          <a:ext cx="0" cy="0"/>
-          <a:chOff x="0" y="0"/>
-          <a:chExt cx="0" cy="0"/>
-        </a:xfrm>
-      </p:grpSpPr>
-      <p:sp>
-        <p:nvSpPr>
-          <p:cNvPr id="206" name="Shape 206"/>
-          <p:cNvSpPr txBox="1"/>
-          <p:nvPr>
-            <p:ph type="title"/>
-          </p:nvPr>
-        </p:nvSpPr>
-        <p:spPr>
-          <a:xfrm>
-            <a:off x="823850" y="2053000"/>
-            <a:ext cx="4587000" cy="1148700"/>
-          </a:xfrm>
-          <a:prstGeom prst="rect">
-            <a:avLst/>
-          </a:prstGeom>
-        </p:spPr>
-        <p:txBody>
-          <a:bodyPr anchorCtr="0" anchor="ctr" bIns="91425" lIns="91425" rIns="91425" tIns="91425">
-            <a:noAutofit/>
-          </a:bodyPr>
-          <a:lstStyle/>
-          <a:p>
             <a:pPr lvl="0" rtl="0">
               <a:spcBef>
                 <a:spcPts val="0"/>
@@ -8674,67 +8445,6 @@
           <p:cNvPr id="140" name="Shape 140"/>
           <p:cNvSpPr txBox="1"/>
           <p:nvPr>
-            <p:ph type="title"/>
-          </p:nvPr>
-        </p:nvSpPr>
-        <p:spPr>
-          <a:xfrm>
-            <a:off x="1297500" y="393750"/>
-            <a:ext cx="7038900" cy="914100"/>
-          </a:xfrm>
-          <a:prstGeom prst="rect">
-            <a:avLst/>
-          </a:prstGeom>
-        </p:spPr>
-        <p:txBody>
-          <a:bodyPr anchorCtr="0" anchor="t" bIns="91425" lIns="91425" rIns="91425" tIns="91425">
-            <a:noAutofit/>
-          </a:bodyPr>
-          <a:lstStyle/>
-          <a:p>
-            <a:pPr lvl="0">
-              <a:spcBef>
-                <a:spcPts val="0"/>
-              </a:spcBef>
-              <a:buNone/>
-            </a:pPr>
-            <a:r>
-              <a:rPr lang="en"/>
-              <a:t>Architecture</a:t>
-            </a:r>
-          </a:p>
-        </p:txBody>
-      </p:sp>
-    </p:spTree>
-  </p:cSld>
-  <p:clrMapOvr>
-    <a:masterClrMapping/>
-  </p:clrMapOvr>
-</p:sld>
-</file>
-
-<file path=ppt/slides/slide3.xml><?xml version="1.0" encoding="utf-8"?>
-<p:sld xmlns:a="http://schemas.openxmlformats.org/drawingml/2006/main" xmlns:r="http://schemas.openxmlformats.org/officeDocument/2006/relationships" xmlns:mc="http://schemas.openxmlformats.org/markup-compatibility/2006" xmlns:mv="urn:schemas-microsoft-com:mac:vml" xmlns:p="http://schemas.openxmlformats.org/presentationml/2006/main" xmlns:c="http://schemas.openxmlformats.org/drawingml/2006/chart" xmlns:dgm="http://schemas.openxmlformats.org/drawingml/2006/diagram" xmlns:o="urn:schemas-microsoft-com:office:office" xmlns:v="urn:schemas-microsoft-com:vml" xmlns:pvml="urn:schemas-microsoft-com:office:powerpoint" xmlns:com="http://schemas.openxmlformats.org/drawingml/2006/compatibility" xmlns:p14="http://schemas.microsoft.com/office/powerpoint/2010/main" xmlns:p15="http://schemas.microsoft.com/office/powerpoint/2012/main">
-  <p:cSld>
-    <p:spTree>
-      <p:nvGrpSpPr>
-        <p:cNvPr id="144" name="Shape 144"/>
-        <p:cNvGrpSpPr/>
-        <p:nvPr/>
-      </p:nvGrpSpPr>
-      <p:grpSpPr>
-        <a:xfrm>
-          <a:off x="0" y="0"/>
-          <a:ext cx="0" cy="0"/>
-          <a:chOff x="0" y="0"/>
-          <a:chExt cx="0" cy="0"/>
-        </a:xfrm>
-      </p:grpSpPr>
-      <p:sp>
-        <p:nvSpPr>
-          <p:cNvPr id="145" name="Shape 145"/>
-          <p:cNvSpPr txBox="1"/>
-          <p:nvPr>
             <p:ph idx="4294967295" type="body"/>
           </p:nvPr>
         </p:nvSpPr>
@@ -8768,7 +8478,7 @@
       </p:sp>
       <p:pic>
         <p:nvPicPr>
-          <p:cNvPr id="146" name="Shape 146"/>
+          <p:cNvPr id="141" name="Shape 141"/>
           <p:cNvPicPr preferRelativeResize="0"/>
           <p:nvPr/>
         </p:nvPicPr>
@@ -8802,12 +8512,12 @@
 </p:sld>
 </file>
 
-<file path=ppt/slides/slide4.xml><?xml version="1.0" encoding="utf-8"?>
+<file path=ppt/slides/slide3.xml><?xml version="1.0" encoding="utf-8"?>
 <p:sld xmlns:a="http://schemas.openxmlformats.org/drawingml/2006/main" xmlns:r="http://schemas.openxmlformats.org/officeDocument/2006/relationships" xmlns:mc="http://schemas.openxmlformats.org/markup-compatibility/2006" xmlns:mv="urn:schemas-microsoft-com:mac:vml" xmlns:p="http://schemas.openxmlformats.org/presentationml/2006/main" xmlns:c="http://schemas.openxmlformats.org/drawingml/2006/chart" xmlns:dgm="http://schemas.openxmlformats.org/drawingml/2006/diagram" xmlns:o="urn:schemas-microsoft-com:office:office" xmlns:v="urn:schemas-microsoft-com:vml" xmlns:pvml="urn:schemas-microsoft-com:office:powerpoint" xmlns:com="http://schemas.openxmlformats.org/drawingml/2006/compatibility" xmlns:p14="http://schemas.microsoft.com/office/powerpoint/2010/main" xmlns:p15="http://schemas.microsoft.com/office/powerpoint/2012/main">
   <p:cSld>
     <p:spTree>
       <p:nvGrpSpPr>
-        <p:cNvPr id="150" name="Shape 150"/>
+        <p:cNvPr id="145" name="Shape 145"/>
         <p:cNvGrpSpPr/>
         <p:nvPr/>
       </p:nvGrpSpPr>
@@ -8821,7 +8531,7 @@
       </p:grpSpPr>
       <p:sp>
         <p:nvSpPr>
-          <p:cNvPr id="151" name="Shape 151"/>
+          <p:cNvPr id="146" name="Shape 146"/>
           <p:cNvSpPr txBox="1"/>
           <p:nvPr>
             <p:ph type="title"/>
@@ -8886,7 +8596,7 @@
       </p:sp>
       <p:sp>
         <p:nvSpPr>
-          <p:cNvPr id="152" name="Shape 152"/>
+          <p:cNvPr id="147" name="Shape 147"/>
           <p:cNvSpPr txBox="1"/>
           <p:nvPr>
             <p:ph idx="2" type="body"/>
@@ -8979,12 +8689,12 @@
 </p:sld>
 </file>
 
-<file path=ppt/slides/slide5.xml><?xml version="1.0" encoding="utf-8"?>
+<file path=ppt/slides/slide4.xml><?xml version="1.0" encoding="utf-8"?>
 <p:sld xmlns:a="http://schemas.openxmlformats.org/drawingml/2006/main" xmlns:r="http://schemas.openxmlformats.org/officeDocument/2006/relationships" xmlns:mc="http://schemas.openxmlformats.org/markup-compatibility/2006" xmlns:mv="urn:schemas-microsoft-com:mac:vml" xmlns:p="http://schemas.openxmlformats.org/presentationml/2006/main" xmlns:c="http://schemas.openxmlformats.org/drawingml/2006/chart" xmlns:dgm="http://schemas.openxmlformats.org/drawingml/2006/diagram" xmlns:o="urn:schemas-microsoft-com:office:office" xmlns:v="urn:schemas-microsoft-com:vml" xmlns:pvml="urn:schemas-microsoft-com:office:powerpoint" xmlns:com="http://schemas.openxmlformats.org/drawingml/2006/compatibility" xmlns:p14="http://schemas.microsoft.com/office/powerpoint/2010/main" xmlns:p15="http://schemas.microsoft.com/office/powerpoint/2012/main">
   <p:cSld>
     <p:spTree>
       <p:nvGrpSpPr>
-        <p:cNvPr id="156" name="Shape 156"/>
+        <p:cNvPr id="151" name="Shape 151"/>
         <p:cNvGrpSpPr/>
         <p:nvPr/>
       </p:nvGrpSpPr>
@@ -8998,7 +8708,7 @@
       </p:grpSpPr>
       <p:sp>
         <p:nvSpPr>
-          <p:cNvPr id="157" name="Shape 157"/>
+          <p:cNvPr id="152" name="Shape 152"/>
           <p:cNvSpPr txBox="1"/>
           <p:nvPr>
             <p:ph type="title"/>
@@ -9034,7 +8744,7 @@
       </p:sp>
       <p:sp>
         <p:nvSpPr>
-          <p:cNvPr id="158" name="Shape 158"/>
+          <p:cNvPr id="153" name="Shape 153"/>
           <p:cNvSpPr txBox="1"/>
           <p:nvPr>
             <p:ph idx="2" type="body"/>
@@ -9183,12 +8893,12 @@
 </p:sld>
 </file>
 
-<file path=ppt/slides/slide6.xml><?xml version="1.0" encoding="utf-8"?>
+<file path=ppt/slides/slide5.xml><?xml version="1.0" encoding="utf-8"?>
 <p:sld xmlns:a="http://schemas.openxmlformats.org/drawingml/2006/main" xmlns:r="http://schemas.openxmlformats.org/officeDocument/2006/relationships" xmlns:mc="http://schemas.openxmlformats.org/markup-compatibility/2006" xmlns:mv="urn:schemas-microsoft-com:mac:vml" xmlns:p="http://schemas.openxmlformats.org/presentationml/2006/main" xmlns:c="http://schemas.openxmlformats.org/drawingml/2006/chart" xmlns:dgm="http://schemas.openxmlformats.org/drawingml/2006/diagram" xmlns:o="urn:schemas-microsoft-com:office:office" xmlns:v="urn:schemas-microsoft-com:vml" xmlns:pvml="urn:schemas-microsoft-com:office:powerpoint" xmlns:com="http://schemas.openxmlformats.org/drawingml/2006/compatibility" xmlns:p14="http://schemas.microsoft.com/office/powerpoint/2010/main" xmlns:p15="http://schemas.microsoft.com/office/powerpoint/2012/main">
   <p:cSld>
     <p:spTree>
       <p:nvGrpSpPr>
-        <p:cNvPr id="162" name="Shape 162"/>
+        <p:cNvPr id="157" name="Shape 157"/>
         <p:cNvGrpSpPr/>
         <p:nvPr/>
       </p:nvGrpSpPr>
@@ -9202,7 +8912,7 @@
       </p:grpSpPr>
       <p:sp>
         <p:nvSpPr>
-          <p:cNvPr id="163" name="Shape 163"/>
+          <p:cNvPr id="158" name="Shape 158"/>
           <p:cNvSpPr txBox="1"/>
           <p:nvPr>
             <p:ph type="title"/>
@@ -9238,7 +8948,7 @@
       </p:sp>
       <p:pic>
         <p:nvPicPr>
-          <p:cNvPr id="164" name="Shape 164"/>
+          <p:cNvPr id="159" name="Shape 159"/>
           <p:cNvPicPr preferRelativeResize="0"/>
           <p:nvPr/>
         </p:nvPicPr>
@@ -9272,12 +8982,12 @@
 </p:sld>
 </file>
 
-<file path=ppt/slides/slide7.xml><?xml version="1.0" encoding="utf-8"?>
+<file path=ppt/slides/slide6.xml><?xml version="1.0" encoding="utf-8"?>
 <p:sld xmlns:a="http://schemas.openxmlformats.org/drawingml/2006/main" xmlns:r="http://schemas.openxmlformats.org/officeDocument/2006/relationships" xmlns:mc="http://schemas.openxmlformats.org/markup-compatibility/2006" xmlns:mv="urn:schemas-microsoft-com:mac:vml" xmlns:p="http://schemas.openxmlformats.org/presentationml/2006/main" xmlns:c="http://schemas.openxmlformats.org/drawingml/2006/chart" xmlns:dgm="http://schemas.openxmlformats.org/drawingml/2006/diagram" xmlns:o="urn:schemas-microsoft-com:office:office" xmlns:v="urn:schemas-microsoft-com:vml" xmlns:pvml="urn:schemas-microsoft-com:office:powerpoint" xmlns:com="http://schemas.openxmlformats.org/drawingml/2006/compatibility" xmlns:p14="http://schemas.microsoft.com/office/powerpoint/2010/main" xmlns:p15="http://schemas.microsoft.com/office/powerpoint/2012/main">
   <p:cSld>
     <p:spTree>
       <p:nvGrpSpPr>
-        <p:cNvPr id="168" name="Shape 168"/>
+        <p:cNvPr id="163" name="Shape 163"/>
         <p:cNvGrpSpPr/>
         <p:nvPr/>
       </p:nvGrpSpPr>
@@ -9291,7 +9001,7 @@
       </p:grpSpPr>
       <p:sp>
         <p:nvSpPr>
-          <p:cNvPr id="169" name="Shape 169"/>
+          <p:cNvPr id="164" name="Shape 164"/>
           <p:cNvSpPr txBox="1"/>
           <p:nvPr>
             <p:ph type="title"/>
@@ -9365,7 +9075,7 @@
       </p:sp>
       <p:sp>
         <p:nvSpPr>
-          <p:cNvPr id="170" name="Shape 170"/>
+          <p:cNvPr id="165" name="Shape 165"/>
           <p:cNvSpPr txBox="1"/>
           <p:nvPr>
             <p:ph idx="2" type="body"/>
@@ -9446,12 +9156,12 @@
 </p:sld>
 </file>
 
-<file path=ppt/slides/slide8.xml><?xml version="1.0" encoding="utf-8"?>
+<file path=ppt/slides/slide7.xml><?xml version="1.0" encoding="utf-8"?>
 <p:sld xmlns:a="http://schemas.openxmlformats.org/drawingml/2006/main" xmlns:r="http://schemas.openxmlformats.org/officeDocument/2006/relationships" xmlns:mc="http://schemas.openxmlformats.org/markup-compatibility/2006" xmlns:mv="urn:schemas-microsoft-com:mac:vml" xmlns:p="http://schemas.openxmlformats.org/presentationml/2006/main" xmlns:c="http://schemas.openxmlformats.org/drawingml/2006/chart" xmlns:dgm="http://schemas.openxmlformats.org/drawingml/2006/diagram" xmlns:o="urn:schemas-microsoft-com:office:office" xmlns:v="urn:schemas-microsoft-com:vml" xmlns:pvml="urn:schemas-microsoft-com:office:powerpoint" xmlns:com="http://schemas.openxmlformats.org/drawingml/2006/compatibility" xmlns:p14="http://schemas.microsoft.com/office/powerpoint/2010/main" xmlns:p15="http://schemas.microsoft.com/office/powerpoint/2012/main">
   <p:cSld>
     <p:spTree>
       <p:nvGrpSpPr>
-        <p:cNvPr id="174" name="Shape 174"/>
+        <p:cNvPr id="169" name="Shape 169"/>
         <p:cNvGrpSpPr/>
         <p:nvPr/>
       </p:nvGrpSpPr>
@@ -9465,7 +9175,7 @@
       </p:grpSpPr>
       <p:sp>
         <p:nvSpPr>
-          <p:cNvPr id="175" name="Shape 175"/>
+          <p:cNvPr id="170" name="Shape 170"/>
           <p:cNvSpPr txBox="1"/>
           <p:nvPr>
             <p:ph type="title"/>
@@ -9501,7 +9211,7 @@
       </p:sp>
       <p:sp>
         <p:nvSpPr>
-          <p:cNvPr id="176" name="Shape 176"/>
+          <p:cNvPr id="171" name="Shape 171"/>
           <p:cNvSpPr txBox="1"/>
           <p:nvPr>
             <p:ph idx="2" type="body"/>
@@ -9599,12 +9309,12 @@
 </p:sld>
 </file>
 
-<file path=ppt/slides/slide9.xml><?xml version="1.0" encoding="utf-8"?>
+<file path=ppt/slides/slide8.xml><?xml version="1.0" encoding="utf-8"?>
 <p:sld xmlns:a="http://schemas.openxmlformats.org/drawingml/2006/main" xmlns:r="http://schemas.openxmlformats.org/officeDocument/2006/relationships" xmlns:mc="http://schemas.openxmlformats.org/markup-compatibility/2006" xmlns:mv="urn:schemas-microsoft-com:mac:vml" xmlns:p="http://schemas.openxmlformats.org/presentationml/2006/main" xmlns:c="http://schemas.openxmlformats.org/drawingml/2006/chart" xmlns:dgm="http://schemas.openxmlformats.org/drawingml/2006/diagram" xmlns:o="urn:schemas-microsoft-com:office:office" xmlns:v="urn:schemas-microsoft-com:vml" xmlns:pvml="urn:schemas-microsoft-com:office:powerpoint" xmlns:com="http://schemas.openxmlformats.org/drawingml/2006/compatibility" xmlns:p14="http://schemas.microsoft.com/office/powerpoint/2010/main" xmlns:p15="http://schemas.microsoft.com/office/powerpoint/2012/main">
   <p:cSld>
     <p:spTree>
       <p:nvGrpSpPr>
-        <p:cNvPr id="180" name="Shape 180"/>
+        <p:cNvPr id="175" name="Shape 175"/>
         <p:cNvGrpSpPr/>
         <p:nvPr/>
       </p:nvGrpSpPr>
@@ -9618,7 +9328,7 @@
       </p:grpSpPr>
       <p:sp>
         <p:nvSpPr>
-          <p:cNvPr id="181" name="Shape 181"/>
+          <p:cNvPr id="176" name="Shape 176"/>
           <p:cNvSpPr txBox="1"/>
           <p:nvPr>
             <p:ph idx="4294967295" type="body"/>
@@ -9654,7 +9364,7 @@
       </p:sp>
       <p:pic>
         <p:nvPicPr>
-          <p:cNvPr id="182" name="Shape 182"/>
+          <p:cNvPr id="177" name="Shape 177"/>
           <p:cNvPicPr preferRelativeResize="0"/>
           <p:nvPr/>
         </p:nvPicPr>
@@ -9680,6 +9390,139 @@
           </a:ln>
         </p:spPr>
       </p:pic>
+    </p:spTree>
+  </p:cSld>
+  <p:clrMapOvr>
+    <a:masterClrMapping/>
+  </p:clrMapOvr>
+</p:sld>
+</file>
+
+<file path=ppt/slides/slide9.xml><?xml version="1.0" encoding="utf-8"?>
+<p:sld xmlns:a="http://schemas.openxmlformats.org/drawingml/2006/main" xmlns:r="http://schemas.openxmlformats.org/officeDocument/2006/relationships" xmlns:mc="http://schemas.openxmlformats.org/markup-compatibility/2006" xmlns:mv="urn:schemas-microsoft-com:mac:vml" xmlns:p="http://schemas.openxmlformats.org/presentationml/2006/main" xmlns:c="http://schemas.openxmlformats.org/drawingml/2006/chart" xmlns:dgm="http://schemas.openxmlformats.org/drawingml/2006/diagram" xmlns:o="urn:schemas-microsoft-com:office:office" xmlns:v="urn:schemas-microsoft-com:vml" xmlns:pvml="urn:schemas-microsoft-com:office:powerpoint" xmlns:com="http://schemas.openxmlformats.org/drawingml/2006/compatibility" xmlns:p14="http://schemas.microsoft.com/office/powerpoint/2010/main" xmlns:p15="http://schemas.microsoft.com/office/powerpoint/2012/main">
+  <p:cSld>
+    <p:spTree>
+      <p:nvGrpSpPr>
+        <p:cNvPr id="181" name="Shape 181"/>
+        <p:cNvGrpSpPr/>
+        <p:nvPr/>
+      </p:nvGrpSpPr>
+      <p:grpSpPr>
+        <a:xfrm>
+          <a:off x="0" y="0"/>
+          <a:ext cx="0" cy="0"/>
+          <a:chOff x="0" y="0"/>
+          <a:chExt cx="0" cy="0"/>
+        </a:xfrm>
+      </p:grpSpPr>
+      <p:sp>
+        <p:nvSpPr>
+          <p:cNvPr id="182" name="Shape 182"/>
+          <p:cNvSpPr txBox="1"/>
+          <p:nvPr>
+            <p:ph type="title"/>
+          </p:nvPr>
+        </p:nvSpPr>
+        <p:spPr>
+          <a:xfrm>
+            <a:off x="1297500" y="393750"/>
+            <a:ext cx="7038900" cy="914100"/>
+          </a:xfrm>
+          <a:prstGeom prst="rect">
+            <a:avLst/>
+          </a:prstGeom>
+        </p:spPr>
+        <p:txBody>
+          <a:bodyPr anchorCtr="0" anchor="t" bIns="91425" lIns="91425" rIns="91425" tIns="91425">
+            <a:noAutofit/>
+          </a:bodyPr>
+          <a:lstStyle/>
+          <a:p>
+            <a:pPr lvl="0">
+              <a:spcBef>
+                <a:spcPts val="0"/>
+              </a:spcBef>
+              <a:buNone/>
+            </a:pPr>
+            <a:r>
+              <a:rPr lang="en"/>
+              <a:t>Azure</a:t>
+            </a:r>
+          </a:p>
+        </p:txBody>
+      </p:sp>
+      <p:sp>
+        <p:nvSpPr>
+          <p:cNvPr id="183" name="Shape 183"/>
+          <p:cNvSpPr txBox="1"/>
+          <p:nvPr>
+            <p:ph idx="1" type="body"/>
+          </p:nvPr>
+        </p:nvSpPr>
+        <p:spPr>
+          <a:xfrm>
+            <a:off x="1297500" y="1567550"/>
+            <a:ext cx="3403200" cy="2911200"/>
+          </a:xfrm>
+          <a:prstGeom prst="rect">
+            <a:avLst/>
+          </a:prstGeom>
+        </p:spPr>
+        <p:txBody>
+          <a:bodyPr anchorCtr="0" anchor="t" bIns="91425" lIns="91425" rIns="91425" tIns="91425">
+            <a:noAutofit/>
+          </a:bodyPr>
+          <a:lstStyle/>
+          <a:p>
+            <a:pPr lvl="0">
+              <a:spcBef>
+                <a:spcPts val="0"/>
+              </a:spcBef>
+              <a:buNone/>
+            </a:pPr>
+            <a:r>
+              <a:rPr lang="en"/>
+              <a:t>What we’ll see...</a:t>
+            </a:r>
+          </a:p>
+        </p:txBody>
+      </p:sp>
+      <p:sp>
+        <p:nvSpPr>
+          <p:cNvPr id="184" name="Shape 184"/>
+          <p:cNvSpPr txBox="1"/>
+          <p:nvPr>
+            <p:ph idx="2" type="body"/>
+          </p:nvPr>
+        </p:nvSpPr>
+        <p:spPr>
+          <a:xfrm>
+            <a:off x="4933221" y="1567550"/>
+            <a:ext cx="3403200" cy="2911200"/>
+          </a:xfrm>
+          <a:prstGeom prst="rect">
+            <a:avLst/>
+          </a:prstGeom>
+        </p:spPr>
+        <p:txBody>
+          <a:bodyPr anchorCtr="0" anchor="t" bIns="91425" lIns="91425" rIns="91425" tIns="91425">
+            <a:noAutofit/>
+          </a:bodyPr>
+          <a:lstStyle/>
+          <a:p>
+            <a:pPr lvl="0">
+              <a:spcBef>
+                <a:spcPts val="0"/>
+              </a:spcBef>
+              <a:buNone/>
+            </a:pPr>
+            <a:r>
+              <a:rPr lang="en"/>
+              <a:t>Virtual Machines</a:t>
+            </a:r>
+          </a:p>
+        </p:txBody>
+      </p:sp>
     </p:spTree>
   </p:cSld>
   <p:clrMapOvr>
